--- a/docs/resources/Fig14_1.pptx
+++ b/docs/resources/Fig14_1.pptx
@@ -259,7 +259,7 @@
           <a:p>
             <a:fld id="{89C48F96-F5DF-4FE2-ADA7-494B7CCFAB53}" type="datetimeFigureOut">
               <a:rPr lang="es-ES" smtClean="0"/>
-              <a:t>15/05/2019</a:t>
+              <a:t>21/05/2019</a:t>
             </a:fld>
             <a:endParaRPr lang="es-ES"/>
           </a:p>
@@ -457,7 +457,7 @@
           <a:p>
             <a:fld id="{89C48F96-F5DF-4FE2-ADA7-494B7CCFAB53}" type="datetimeFigureOut">
               <a:rPr lang="es-ES" smtClean="0"/>
-              <a:t>15/05/2019</a:t>
+              <a:t>21/05/2019</a:t>
             </a:fld>
             <a:endParaRPr lang="es-ES"/>
           </a:p>
@@ -665,7 +665,7 @@
           <a:p>
             <a:fld id="{89C48F96-F5DF-4FE2-ADA7-494B7CCFAB53}" type="datetimeFigureOut">
               <a:rPr lang="es-ES" smtClean="0"/>
-              <a:t>15/05/2019</a:t>
+              <a:t>21/05/2019</a:t>
             </a:fld>
             <a:endParaRPr lang="es-ES"/>
           </a:p>
@@ -863,7 +863,7 @@
           <a:p>
             <a:fld id="{89C48F96-F5DF-4FE2-ADA7-494B7CCFAB53}" type="datetimeFigureOut">
               <a:rPr lang="es-ES" smtClean="0"/>
-              <a:t>15/05/2019</a:t>
+              <a:t>21/05/2019</a:t>
             </a:fld>
             <a:endParaRPr lang="es-ES"/>
           </a:p>
@@ -1138,7 +1138,7 @@
           <a:p>
             <a:fld id="{89C48F96-F5DF-4FE2-ADA7-494B7CCFAB53}" type="datetimeFigureOut">
               <a:rPr lang="es-ES" smtClean="0"/>
-              <a:t>15/05/2019</a:t>
+              <a:t>21/05/2019</a:t>
             </a:fld>
             <a:endParaRPr lang="es-ES"/>
           </a:p>
@@ -1403,7 +1403,7 @@
           <a:p>
             <a:fld id="{89C48F96-F5DF-4FE2-ADA7-494B7CCFAB53}" type="datetimeFigureOut">
               <a:rPr lang="es-ES" smtClean="0"/>
-              <a:t>15/05/2019</a:t>
+              <a:t>21/05/2019</a:t>
             </a:fld>
             <a:endParaRPr lang="es-ES"/>
           </a:p>
@@ -1815,7 +1815,7 @@
           <a:p>
             <a:fld id="{89C48F96-F5DF-4FE2-ADA7-494B7CCFAB53}" type="datetimeFigureOut">
               <a:rPr lang="es-ES" smtClean="0"/>
-              <a:t>15/05/2019</a:t>
+              <a:t>21/05/2019</a:t>
             </a:fld>
             <a:endParaRPr lang="es-ES"/>
           </a:p>
@@ -1956,7 +1956,7 @@
           <a:p>
             <a:fld id="{89C48F96-F5DF-4FE2-ADA7-494B7CCFAB53}" type="datetimeFigureOut">
               <a:rPr lang="es-ES" smtClean="0"/>
-              <a:t>15/05/2019</a:t>
+              <a:t>21/05/2019</a:t>
             </a:fld>
             <a:endParaRPr lang="es-ES"/>
           </a:p>
@@ -2069,7 +2069,7 @@
           <a:p>
             <a:fld id="{89C48F96-F5DF-4FE2-ADA7-494B7CCFAB53}" type="datetimeFigureOut">
               <a:rPr lang="es-ES" smtClean="0"/>
-              <a:t>15/05/2019</a:t>
+              <a:t>21/05/2019</a:t>
             </a:fld>
             <a:endParaRPr lang="es-ES"/>
           </a:p>
@@ -2380,7 +2380,7 @@
           <a:p>
             <a:fld id="{89C48F96-F5DF-4FE2-ADA7-494B7CCFAB53}" type="datetimeFigureOut">
               <a:rPr lang="es-ES" smtClean="0"/>
-              <a:t>15/05/2019</a:t>
+              <a:t>21/05/2019</a:t>
             </a:fld>
             <a:endParaRPr lang="es-ES"/>
           </a:p>
@@ -2668,7 +2668,7 @@
           <a:p>
             <a:fld id="{89C48F96-F5DF-4FE2-ADA7-494B7CCFAB53}" type="datetimeFigureOut">
               <a:rPr lang="es-ES" smtClean="0"/>
-              <a:t>15/05/2019</a:t>
+              <a:t>21/05/2019</a:t>
             </a:fld>
             <a:endParaRPr lang="es-ES"/>
           </a:p>
@@ -2909,7 +2909,7 @@
           <a:p>
             <a:fld id="{89C48F96-F5DF-4FE2-ADA7-494B7CCFAB53}" type="datetimeFigureOut">
               <a:rPr lang="es-ES" smtClean="0"/>
-              <a:t>15/05/2019</a:t>
+              <a:t>21/05/2019</a:t>
             </a:fld>
             <a:endParaRPr lang="es-ES"/>
           </a:p>
@@ -3394,6 +3394,90 @@
                   <a:noAutofit/>
                 </a:bodyPr>
                 <a:lstStyle/>
+                <a:p>
+                  <a:pPr/>
+                  <a14:m>
+                    <m:oMathPara xmlns:m="http://schemas.openxmlformats.org/officeDocument/2006/math">
+                      <m:oMathParaPr>
+                        <m:jc m:val="centerGroup"/>
+                      </m:oMathParaPr>
+                      <m:oMath xmlns:m="http://schemas.openxmlformats.org/officeDocument/2006/math">
+                        <m:r>
+                          <m:rPr>
+                            <m:nor/>
+                          </m:rPr>
+                          <a:rPr lang="es-ES" sz="2800" smtClean="0">
+                            <a:solidFill>
+                              <a:srgbClr val="000000"/>
+                            </a:solidFill>
+                            <a:latin typeface="Cambria Math" panose="02040503050406030204" pitchFamily="18" charset="0"/>
+                            <a:ea typeface="Cambria Math" panose="02040503050406030204" pitchFamily="18" charset="0"/>
+                          </a:rPr>
+                          <m:t>S</m:t>
+                        </m:r>
+                        <m:r>
+                          <m:rPr>
+                            <m:nor/>
+                          </m:rPr>
+                          <a:rPr lang="es-ES" sz="2800">
+                            <a:solidFill>
+                              <a:srgbClr val="000000"/>
+                            </a:solidFill>
+                            <a:latin typeface="Cambria Math" panose="02040503050406030204" pitchFamily="18" charset="0"/>
+                            <a:ea typeface="Cambria Math" panose="02040503050406030204" pitchFamily="18" charset="0"/>
+                          </a:rPr>
+                          <m:t>∷=</m:t>
+                        </m:r>
+                        <m:r>
+                          <m:rPr>
+                            <m:nor/>
+                          </m:rPr>
+                          <a:rPr lang="es-ES" sz="2800" b="0" i="0" smtClean="0">
+                            <a:solidFill>
+                              <a:srgbClr val="000000"/>
+                            </a:solidFill>
+                            <a:latin typeface="Cambria Math" panose="02040503050406030204" pitchFamily="18" charset="0"/>
+                            <a:ea typeface="Cambria Math" panose="02040503050406030204" pitchFamily="18" charset="0"/>
+                          </a:rPr>
+                          <m:t>AH</m:t>
+                        </m:r>
+                        <m:r>
+                          <m:rPr>
+                            <m:nor/>
+                          </m:rPr>
+                          <a:rPr lang="es-ES" sz="2800" b="0" i="0" smtClean="0">
+                            <a:solidFill>
+                              <a:srgbClr val="000000"/>
+                            </a:solidFill>
+                            <a:latin typeface="Cambria Math" panose="02040503050406030204" pitchFamily="18" charset="0"/>
+                            <a:ea typeface="Cambria Math" panose="02040503050406030204" pitchFamily="18" charset="0"/>
+                          </a:rPr>
+                          <m:t>/</m:t>
+                        </m:r>
+                        <m:r>
+                          <m:rPr>
+                            <m:nor/>
+                          </m:rPr>
+                          <a:rPr lang="es-ES" sz="2800" b="0" i="0" smtClean="0">
+                            <a:solidFill>
+                              <a:srgbClr val="000000"/>
+                            </a:solidFill>
+                            <a:latin typeface="Cambria Math" panose="02040503050406030204" pitchFamily="18" charset="0"/>
+                            <a:ea typeface="Cambria Math" panose="02040503050406030204" pitchFamily="18" charset="0"/>
+                          </a:rPr>
+                          <m:t>Z</m:t>
+                        </m:r>
+                      </m:oMath>
+                    </m:oMathPara>
+                  </a14:m>
+                  <a:endParaRPr lang="es-ES" sz="2800" dirty="0">
+                    <a:solidFill>
+                      <a:srgbClr val="000000"/>
+                    </a:solidFill>
+                    <a:latin typeface="Cambria Math" panose="02040503050406030204" pitchFamily="18" charset="0"/>
+                    <a:ea typeface="Cambria Math" panose="02040503050406030204" pitchFamily="18" charset="0"/>
+                  </a:endParaRPr>
+                </a:p>
                 <a:p>
                   <a:pPr/>
                   <a14:m>
@@ -3835,7 +3919,7 @@
                 <a:blipFill>
                   <a:blip r:embed="rId2"/>
                   <a:stretch>
-                    <a:fillRect l="-9052" b="-27009"/>
+                    <a:fillRect l="-9052" r="-9914" b="-38974"/>
                   </a:stretch>
                 </a:blipFill>
                 <a:ln w="19050">
